--- a/slides/002.pptx
+++ b/slides/002.pptx
@@ -13,9 +13,10 @@
     <p:sldId id="266" r:id="rId8"/>
     <p:sldId id="273" r:id="rId9"/>
     <p:sldId id="274" r:id="rId10"/>
-    <p:sldId id="259" r:id="rId11"/>
-    <p:sldId id="275" r:id="rId12"/>
-    <p:sldId id="276" r:id="rId13"/>
+    <p:sldId id="278" r:id="rId11"/>
+    <p:sldId id="259" r:id="rId12"/>
+    <p:sldId id="275" r:id="rId13"/>
+    <p:sldId id="276" r:id="rId14"/>
   </p:sldIdLst>
   <p:sldSz cx="12192000" cy="6858000"/>
   <p:notesSz cx="7559675" cy="10691495"/>
@@ -5116,6 +5117,107 @@
       </p:par>
     </p:tnLst>
   </p:timing>
+</p:sld>
+</file>
+
+<file path=ppt/slides/slide10.xml><?xml version="1.0" encoding="utf-8"?>
+<p:sld xmlns:a="http://schemas.openxmlformats.org/drawingml/2006/main" xmlns:r="http://schemas.openxmlformats.org/officeDocument/2006/relationships" xmlns:p="http://schemas.openxmlformats.org/presentationml/2006/main">
+  <p:cSld>
+    <p:spTree>
+      <p:nvGrpSpPr>
+        <p:cNvPr id="1" name=""/>
+        <p:cNvGrpSpPr/>
+        <p:nvPr/>
+      </p:nvGrpSpPr>
+      <p:grpSpPr/>
+      <p:sp>
+        <p:nvSpPr>
+          <p:cNvPr id="3" name="Subtitle 2"/>
+          <p:cNvSpPr>
+            <a:spLocks noGrp="1"/>
+          </p:cNvSpPr>
+          <p:nvPr>
+            <p:ph type="subTitle"/>
+          </p:nvPr>
+        </p:nvSpPr>
+        <p:spPr/>
+        <p:txBody>
+          <a:bodyPr/>
+          <a:p>
+            <a:endParaRPr lang="pt-BR" altLang="en-US"/>
+          </a:p>
+        </p:txBody>
+      </p:sp>
+      <p:sp>
+        <p:nvSpPr>
+          <p:cNvPr id="127" name="TextShape 1"/>
+          <p:cNvSpPr txBox="1"/>
+          <p:nvPr/>
+        </p:nvSpPr>
+        <p:spPr>
+          <a:xfrm>
+            <a:off x="965080" y="492040"/>
+            <a:ext cx="10515240" cy="1325160"/>
+          </a:xfrm>
+          <a:prstGeom prst="rect">
+            <a:avLst/>
+          </a:prstGeom>
+        </p:spPr>
+        <p:txBody>
+          <a:bodyPr anchor="ctr"/>
+          <a:p>
+            <a:pPr>
+              <a:lnSpc>
+                <a:spcPct val="100000"/>
+              </a:lnSpc>
+            </a:pPr>
+            <a:r>
+              <a:rPr lang="x-none" altLang="en-US" sz="4400">
+                <a:solidFill>
+                  <a:srgbClr val="FFFFFF"/>
+                </a:solidFill>
+                <a:latin typeface="Calibri Light"/>
+              </a:rPr>
+              <a:t>Exercício Filter</a:t>
+            </a:r>
+            <a:endParaRPr lang="x-none" altLang="en-US" sz="4400">
+              <a:solidFill>
+                <a:srgbClr val="FFFFFF"/>
+              </a:solidFill>
+              <a:latin typeface="Calibri Light"/>
+            </a:endParaRPr>
+          </a:p>
+        </p:txBody>
+      </p:sp>
+      <p:pic>
+        <p:nvPicPr>
+          <p:cNvPr id="5" name="Picture 4" descr="layout"/>
+          <p:cNvPicPr>
+            <a:picLocks noChangeAspect="1"/>
+          </p:cNvPicPr>
+          <p:nvPr/>
+        </p:nvPicPr>
+        <p:blipFill>
+          <a:blip r:embed="rId1"/>
+          <a:stretch>
+            <a:fillRect/>
+          </a:stretch>
+        </p:blipFill>
+        <p:spPr>
+          <a:xfrm>
+            <a:off x="2320925" y="1490980"/>
+            <a:ext cx="7470140" cy="5572125"/>
+          </a:xfrm>
+          <a:prstGeom prst="rect">
+            <a:avLst/>
+          </a:prstGeom>
+        </p:spPr>
+      </p:pic>
+    </p:spTree>
+  </p:cSld>
+  <p:clrMapOvr>
+    <a:masterClrMapping/>
+  </p:clrMapOvr>
 </p:sld>
 </file>
 
@@ -5779,7 +5881,7 @@
         </p:nvSpPr>
         <p:spPr>
           <a:xfrm>
-            <a:off x="838835" y="1825625"/>
+            <a:off x="838835" y="1594485"/>
             <a:ext cx="10899775" cy="4351020"/>
           </a:xfrm>
           <a:prstGeom prst="rect">
@@ -5789,7 +5891,7 @@
         <p:txBody>
           <a:bodyPr/>
           <a:p>
-            <a:pPr>
+            <a:pPr marL="342900" indent="-342900">
               <a:lnSpc>
                 <a:spcPct val="100000"/>
               </a:lnSpc>
@@ -5797,7 +5899,7 @@
               <a:buChar char="•"/>
             </a:pPr>
             <a:r>
-              <a:rPr lang="x-none" altLang="en-US" sz="2800">
+              <a:rPr lang="x-none" altLang="en-US" sz="2000">
                 <a:solidFill>
                   <a:srgbClr val="FFFFFF"/>
                 </a:solidFill>
@@ -5806,7 +5908,7 @@
               <a:t>2</a:t>
             </a:r>
             <a:r>
-              <a:rPr lang="en-US" sz="2800">
+              <a:rPr lang="en-US" sz="2000">
                 <a:solidFill>
                   <a:srgbClr val="FFFFFF"/>
                 </a:solidFill>
@@ -5814,7 +5916,7 @@
               </a:rPr>
               <a:t> tipos de propriedades:</a:t>
             </a:r>
-            <a:endParaRPr lang="en-US" sz="2800">
+            <a:endParaRPr lang="en-US" sz="2000">
               <a:solidFill>
                 <a:srgbClr val="FFFFFF"/>
               </a:solidFill>
@@ -5822,7 +5924,7 @@
             </a:endParaRPr>
           </a:p>
           <a:p>
-            <a:pPr>
+            <a:pPr marL="800100" lvl="1" indent="-342900">
               <a:lnSpc>
                 <a:spcPct val="100000"/>
               </a:lnSpc>
@@ -5830,7 +5932,7 @@
               <a:buChar char="•"/>
             </a:pPr>
             <a:r>
-              <a:rPr lang="en-US" sz="2800">
+              <a:rPr lang="en-US" sz="2000">
                 <a:solidFill>
                   <a:srgbClr val="FFFFFF"/>
                 </a:solidFill>
@@ -5838,7 +5940,7 @@
               </a:rPr>
               <a:t>Linear Gradients (goes down/up/left/right/diagonally)</a:t>
             </a:r>
-            <a:endParaRPr lang="en-US" sz="2800">
+            <a:endParaRPr lang="en-US" sz="2000">
               <a:solidFill>
                 <a:srgbClr val="FFFFFF"/>
               </a:solidFill>
@@ -5846,7 +5948,7 @@
             </a:endParaRPr>
           </a:p>
           <a:p>
-            <a:pPr>
+            <a:pPr marL="800100" lvl="1" indent="-342900">
               <a:lnSpc>
                 <a:spcPct val="100000"/>
               </a:lnSpc>
@@ -5854,7 +5956,7 @@
               <a:buChar char="•"/>
             </a:pPr>
             <a:r>
-              <a:rPr lang="en-US" sz="2800">
+              <a:rPr lang="en-US" sz="2000">
                 <a:solidFill>
                   <a:srgbClr val="FFFFFF"/>
                 </a:solidFill>
@@ -5862,7 +5964,7 @@
               </a:rPr>
               <a:t>Radial Gradients (defined by their center)</a:t>
             </a:r>
-            <a:endParaRPr lang="en-US" sz="2800">
+            <a:endParaRPr lang="en-US" sz="2000">
               <a:solidFill>
                 <a:srgbClr val="FFFFFF"/>
               </a:solidFill>
@@ -5870,7 +5972,7 @@
             </a:endParaRPr>
           </a:p>
           <a:p>
-            <a:pPr>
+            <a:pPr marL="342900" indent="-342900">
               <a:lnSpc>
                 <a:spcPct val="100000"/>
               </a:lnSpc>
@@ -5878,7 +5980,7 @@
               <a:buChar char="•"/>
             </a:pPr>
             <a:r>
-              <a:rPr lang="en-US" sz="2800">
+              <a:rPr lang="en-US" sz="2000">
                 <a:solidFill>
                   <a:srgbClr val="FFFFFF"/>
                 </a:solidFill>
@@ -5886,7 +5988,7 @@
               </a:rPr>
               <a:t>sintaxe:</a:t>
             </a:r>
-            <a:endParaRPr lang="en-US" sz="2800">
+            <a:endParaRPr lang="en-US" sz="2000">
               <a:solidFill>
                 <a:srgbClr val="FFFFFF"/>
               </a:solidFill>
@@ -5894,7 +5996,7 @@
             </a:endParaRPr>
           </a:p>
           <a:p>
-            <a:pPr>
+            <a:pPr marL="800100" lvl="1" indent="-342900">
               <a:lnSpc>
                 <a:spcPct val="100000"/>
               </a:lnSpc>
@@ -5902,7 +6004,7 @@
               <a:buChar char="•"/>
             </a:pPr>
             <a:r>
-              <a:rPr lang="en-US" sz="2800">
+              <a:rPr lang="en-US" sz="2000">
                 <a:solidFill>
                   <a:srgbClr val="FFFFFF"/>
                 </a:solidFill>
@@ -5910,7 +6012,7 @@
               </a:rPr>
               <a:t> background: linear-gradient(direction, color-stop1, color-stop2, ...);</a:t>
             </a:r>
-            <a:endParaRPr lang="en-US" sz="2800">
+            <a:endParaRPr lang="en-US" sz="2000">
               <a:solidFill>
                 <a:srgbClr val="FFFFFF"/>
               </a:solidFill>
@@ -5918,12 +6020,75 @@
             </a:endParaRPr>
           </a:p>
           <a:p>
-            <a:pPr indent="0">
+            <a:pPr marL="342900" lvl="0" indent="-342900">
               <a:lnSpc>
                 <a:spcPct val="100000"/>
               </a:lnSpc>
               <a:buFont typeface="Arial" charset="0"/>
-              <a:buNone/>
+              <a:buChar char="•"/>
+            </a:pPr>
+            <a:r>
+              <a:rPr lang="x-none" altLang="en-US" sz="2000">
+                <a:solidFill>
+                  <a:srgbClr val="FFFFFF"/>
+                </a:solidFill>
+                <a:latin typeface="Calibri"/>
+              </a:rPr>
+              <a:t>Background-size:</a:t>
+            </a:r>
+            <a:endParaRPr lang="x-none" altLang="en-US" sz="2000">
+              <a:solidFill>
+                <a:srgbClr val="FFFFFF"/>
+              </a:solidFill>
+              <a:latin typeface="Calibri"/>
+            </a:endParaRPr>
+          </a:p>
+          <a:p>
+            <a:pPr marL="342900" lvl="0" indent="-342900">
+              <a:lnSpc>
+                <a:spcPct val="100000"/>
+              </a:lnSpc>
+              <a:buFont typeface="Arial" charset="0"/>
+              <a:buChar char="•"/>
+            </a:pPr>
+            <a:r>
+              <a:rPr lang="x-none" altLang="en-US" sz="2000">
+                <a:solidFill>
+                  <a:srgbClr val="FFFFFF"/>
+                </a:solidFill>
+                <a:latin typeface="Calibri"/>
+              </a:rPr>
+              <a:t>Background-origin:</a:t>
+            </a:r>
+            <a:endParaRPr lang="x-none" altLang="en-US" sz="2000">
+              <a:solidFill>
+                <a:srgbClr val="FFFFFF"/>
+              </a:solidFill>
+              <a:latin typeface="Calibri"/>
+            </a:endParaRPr>
+          </a:p>
+          <a:p>
+            <a:pPr marL="342900" lvl="0" indent="-342900">
+              <a:lnSpc>
+                <a:spcPct val="100000"/>
+              </a:lnSpc>
+              <a:buFont typeface="Arial" charset="0"/>
+              <a:buChar char="•"/>
+            </a:pPr>
+            <a:endParaRPr lang="x-none" altLang="en-US" sz="2000">
+              <a:solidFill>
+                <a:srgbClr val="FFFFFF"/>
+              </a:solidFill>
+              <a:latin typeface="Calibri"/>
+            </a:endParaRPr>
+          </a:p>
+          <a:p>
+            <a:pPr marL="457200" indent="-457200">
+              <a:lnSpc>
+                <a:spcPct val="100000"/>
+              </a:lnSpc>
+              <a:buFont typeface="Arial" charset="0"/>
+              <a:buChar char="•"/>
             </a:pPr>
             <a:endParaRPr lang="en-US" sz="2800">
               <a:solidFill>
@@ -5933,12 +6098,12 @@
             </a:endParaRPr>
           </a:p>
           <a:p>
-            <a:pPr indent="0">
+            <a:pPr marL="457200" indent="-457200">
               <a:lnSpc>
                 <a:spcPct val="100000"/>
               </a:lnSpc>
               <a:buFont typeface="Arial" charset="0"/>
-              <a:buNone/>
+              <a:buChar char="•"/>
             </a:pPr>
             <a:endParaRPr lang="en-US" sz="2800">
               <a:solidFill>
@@ -5956,7 +6121,506 @@
           <p:nvPr/>
         </p:nvGraphicFramePr>
         <p:xfrm>
-          <a:off x="1069340" y="4460875"/>
+          <a:off x="984885" y="3159760"/>
+          <a:ext cx="8533765" cy="2667000"/>
+        </p:xfrm>
+        <a:graphic>
+          <a:graphicData uri="http://schemas.openxmlformats.org/drawingml/2006/table">
+            <a:tbl>
+              <a:tblPr firstRow="1" bandRow="1">
+                <a:tableStyleId>{5C22544A-7EE6-4342-B048-85BDC9FD1C3A}</a:tableStyleId>
+              </a:tblPr>
+              <a:tblGrid>
+                <a:gridCol w="8533765"/>
+              </a:tblGrid>
+              <a:tr h="381000">
+                <a:tc>
+                  <a:txBody>
+                    <a:bodyPr/>
+                    <a:p>
+                      <a:pPr>
+                        <a:buNone/>
+                      </a:pPr>
+                      <a:r>
+                        <a:rPr lang="x-none"/>
+                        <a:t>Direcções</a:t>
+                      </a:r>
+                      <a:endParaRPr lang="x-none"/>
+                    </a:p>
+                  </a:txBody>
+                  <a:tcPr/>
+                </a:tc>
+              </a:tr>
+              <a:tr h="381000">
+                <a:tc>
+                  <a:txBody>
+                    <a:bodyPr/>
+                    <a:p>
+                      <a:pPr>
+                        <a:buNone/>
+                      </a:pPr>
+                      <a:r>
+                        <a:t>UP-DOWN</a:t>
+                      </a:r>
+                    </a:p>
+                  </a:txBody>
+                  <a:tcPr/>
+                </a:tc>
+              </a:tr>
+              <a:tr h="381000">
+                <a:tc>
+                  <a:txBody>
+                    <a:bodyPr/>
+                    <a:p>
+                      <a:pPr>
+                        <a:buNone/>
+                      </a:pPr>
+                      <a:r>
+                        <a:t>background: linear-gradient(red, yellow); /* Standard syntax */</a:t>
+                      </a:r>
+                    </a:p>
+                    <a:p>
+                      <a:pPr>
+                        <a:buNone/>
+                      </a:pPr>
+                    </a:p>
+                    <a:p>
+                      <a:pPr>
+                        <a:buNone/>
+                      </a:pPr>
+                      <a:r>
+                        <a:t>#box {</a:t>
+                      </a:r>
+                    </a:p>
+                    <a:p>
+                      <a:pPr>
+                        <a:buNone/>
+                      </a:pPr>
+                      <a:r>
+                        <a:t>    background: red; /* For browsers that do not support gradients */</a:t>
+                      </a:r>
+                    </a:p>
+                    <a:p>
+                      <a:pPr>
+                        <a:buNone/>
+                      </a:pPr>
+                      <a:r>
+                        <a:t>    background: -webkit-linear-gradient(red, yellow); /* For Safari 5.1 to 6.0 */</a:t>
+                      </a:r>
+                    </a:p>
+                    <a:p>
+                      <a:pPr>
+                        <a:buNone/>
+                      </a:pPr>
+                      <a:r>
+                        <a:t>    background: -o-linear-gradient(red, yellow); /* For Opera 11.1 to 12.0 */</a:t>
+                      </a:r>
+                    </a:p>
+                    <a:p>
+                      <a:pPr>
+                        <a:buNone/>
+                      </a:pPr>
+                      <a:r>
+                        <a:t>    background: -moz-linear-gradient(red, yellow); /* For Firefox 3.6 to 15 */</a:t>
+                      </a:r>
+                    </a:p>
+                    <a:p>
+                      <a:pPr>
+                        <a:buNone/>
+                      </a:pPr>
+                      <a:r>
+                        <a:t>    background: linear-gradient(red, yellow); /* Standard syntax */</a:t>
+                      </a:r>
+                    </a:p>
+                    <a:p>
+                      <a:pPr>
+                        <a:buNone/>
+                      </a:pPr>
+                      <a:r>
+                        <a:t>}</a:t>
+                      </a:r>
+                    </a:p>
+                  </a:txBody>
+                  <a:tcPr/>
+                </a:tc>
+              </a:tr>
+              <a:tr h="381000">
+                <a:tc>
+                  <a:txBody>
+                    <a:bodyPr/>
+                    <a:p>
+                      <a:pPr>
+                        <a:buNone/>
+                      </a:pPr>
+                      <a:r>
+                        <a:t>LEFT-RIGHT</a:t>
+                      </a:r>
+                    </a:p>
+                  </a:txBody>
+                  <a:tcPr/>
+                </a:tc>
+              </a:tr>
+              <a:tr h="381000">
+                <a:tc>
+                  <a:txBody>
+                    <a:bodyPr/>
+                    <a:p>
+                      <a:pPr>
+                        <a:buNone/>
+                      </a:pPr>
+                      <a:r>
+                        <a:t>background: linear-gradient(to right, red , yellow); /* Standard syntax */</a:t>
+                      </a:r>
+                    </a:p>
+                  </a:txBody>
+                  <a:tcPr/>
+                </a:tc>
+              </a:tr>
+              <a:tr h="381000">
+                <a:tc>
+                  <a:txBody>
+                    <a:bodyPr/>
+                    <a:p>
+                      <a:pPr>
+                        <a:buNone/>
+                      </a:pPr>
+                      <a:r>
+                        <a:t>DIAGONAL</a:t>
+                      </a:r>
+                    </a:p>
+                  </a:txBody>
+                  <a:tcPr/>
+                </a:tc>
+              </a:tr>
+              <a:tr h="381000">
+                <a:tc>
+                  <a:txBody>
+                    <a:bodyPr/>
+                    <a:p>
+                      <a:pPr>
+                        <a:buNone/>
+                      </a:pPr>
+                      <a:r>
+                        <a:t>background: linear-gradient(to bottom right, red, yellow); /* Standard syntax *</a:t>
+                      </a:r>
+                    </a:p>
+                  </a:txBody>
+                  <a:tcPr/>
+                </a:tc>
+              </a:tr>
+            </a:tbl>
+          </a:graphicData>
+        </a:graphic>
+      </p:graphicFrame>
+    </p:spTree>
+  </p:cSld>
+  <p:clrMapOvr>
+    <a:masterClrMapping/>
+  </p:clrMapOvr>
+  <p:timing>
+    <p:tnLst>
+      <p:par>
+        <p:cTn id="1" dur="indefinite" restart="never" nodeType="tmRoot"/>
+      </p:par>
+    </p:tnLst>
+  </p:timing>
+</p:sld>
+</file>
+
+<file path=ppt/slides/slide7.xml><?xml version="1.0" encoding="utf-8"?>
+<p:sld xmlns:a="http://schemas.openxmlformats.org/drawingml/2006/main" xmlns:r="http://schemas.openxmlformats.org/officeDocument/2006/relationships" xmlns:p="http://schemas.openxmlformats.org/presentationml/2006/main">
+  <p:cSld>
+    <p:spTree>
+      <p:nvGrpSpPr>
+        <p:cNvPr id="1" name=""/>
+        <p:cNvGrpSpPr/>
+        <p:nvPr/>
+      </p:nvGrpSpPr>
+      <p:grpSpPr>
+        <a:xfrm>
+          <a:off x="0" y="0"/>
+          <a:ext cx="0" cy="0"/>
+          <a:chOff x="0" y="0"/>
+          <a:chExt cx="0" cy="0"/>
+        </a:xfrm>
+      </p:grpSpPr>
+      <p:sp>
+        <p:nvSpPr>
+          <p:cNvPr id="127" name="TextShape 1"/>
+          <p:cNvSpPr txBox="1"/>
+          <p:nvPr/>
+        </p:nvSpPr>
+        <p:spPr>
+          <a:xfrm>
+            <a:off x="838080" y="365040"/>
+            <a:ext cx="10515240" cy="1325160"/>
+          </a:xfrm>
+          <a:prstGeom prst="rect">
+            <a:avLst/>
+          </a:prstGeom>
+        </p:spPr>
+        <p:txBody>
+          <a:bodyPr anchor="ctr"/>
+          <a:p>
+            <a:pPr>
+              <a:lnSpc>
+                <a:spcPct val="100000"/>
+              </a:lnSpc>
+            </a:pPr>
+            <a:r>
+              <a:rPr lang="x-none" altLang="en-US" sz="4400">
+                <a:solidFill>
+                  <a:srgbClr val="FFFFFF"/>
+                </a:solidFill>
+                <a:latin typeface="Calibri Light"/>
+              </a:rPr>
+              <a:t>Background CSS3</a:t>
+            </a:r>
+            <a:endParaRPr lang="x-none" altLang="en-US" sz="4400">
+              <a:solidFill>
+                <a:srgbClr val="FFFFFF"/>
+              </a:solidFill>
+              <a:latin typeface="Calibri Light"/>
+            </a:endParaRPr>
+          </a:p>
+        </p:txBody>
+      </p:sp>
+      <p:sp>
+        <p:nvSpPr>
+          <p:cNvPr id="130" name="TextShape 2"/>
+          <p:cNvSpPr txBox="1"/>
+          <p:nvPr/>
+        </p:nvSpPr>
+        <p:spPr>
+          <a:xfrm>
+            <a:off x="838835" y="1594485"/>
+            <a:ext cx="10899775" cy="4351020"/>
+          </a:xfrm>
+          <a:prstGeom prst="rect">
+            <a:avLst/>
+          </a:prstGeom>
+        </p:spPr>
+        <p:txBody>
+          <a:bodyPr/>
+          <a:p>
+            <a:pPr marL="342900" lvl="0" indent="-342900">
+              <a:lnSpc>
+                <a:spcPct val="100000"/>
+              </a:lnSpc>
+              <a:buFont typeface="Arial" charset="0"/>
+              <a:buChar char="•"/>
+            </a:pPr>
+            <a:r>
+              <a:rPr lang="x-none" altLang="en-US" sz="2000">
+                <a:solidFill>
+                  <a:srgbClr val="FFFFFF"/>
+                </a:solidFill>
+                <a:latin typeface="Calibri"/>
+              </a:rPr>
+              <a:t>Background-size:</a:t>
+            </a:r>
+            <a:endParaRPr lang="x-none" altLang="en-US" sz="2000">
+              <a:solidFill>
+                <a:srgbClr val="FFFFFF"/>
+              </a:solidFill>
+              <a:latin typeface="Calibri"/>
+            </a:endParaRPr>
+          </a:p>
+          <a:p>
+            <a:pPr marL="800100" lvl="1" indent="-342900">
+              <a:lnSpc>
+                <a:spcPct val="100000"/>
+              </a:lnSpc>
+              <a:buFont typeface="Arial" charset="0"/>
+              <a:buChar char="•"/>
+            </a:pPr>
+            <a:r>
+              <a:rPr lang="x-none" altLang="en-US" sz="2000">
+                <a:solidFill>
+                  <a:srgbClr val="FFFFFF"/>
+                </a:solidFill>
+                <a:latin typeface="Calibri"/>
+              </a:rPr>
+              <a:t>Alterar escala da imagem em plano de fundo</a:t>
+            </a:r>
+            <a:endParaRPr lang="x-none" altLang="en-US" sz="2000">
+              <a:solidFill>
+                <a:srgbClr val="FFFFFF"/>
+              </a:solidFill>
+              <a:latin typeface="Calibri"/>
+            </a:endParaRPr>
+          </a:p>
+          <a:p>
+            <a:pPr marL="800100" lvl="1" indent="-342900">
+              <a:lnSpc>
+                <a:spcPct val="100000"/>
+              </a:lnSpc>
+              <a:buFont typeface="Arial" charset="0"/>
+              <a:buChar char="•"/>
+            </a:pPr>
+            <a:r>
+              <a:rPr lang="x-none" altLang="en-US" sz="2000">
+                <a:solidFill>
+                  <a:srgbClr val="FFFFFF"/>
+                </a:solidFill>
+                <a:latin typeface="Calibri"/>
+                <a:sym typeface="+mn-ea"/>
+              </a:rPr>
+              <a:t>background-size: </a:t>
+            </a:r>
+            <a:r>
+              <a:rPr lang="x-none" altLang="en-US" sz="2000">
+                <a:solidFill>
+                  <a:srgbClr val="FFFFFF"/>
+                </a:solidFill>
+                <a:latin typeface="Calibri"/>
+              </a:rPr>
+              <a:t>contain </a:t>
+            </a:r>
+            <a:endParaRPr lang="x-none" altLang="en-US" sz="2000">
+              <a:solidFill>
+                <a:srgbClr val="FFFFFF"/>
+              </a:solidFill>
+              <a:latin typeface="Calibri"/>
+            </a:endParaRPr>
+          </a:p>
+          <a:p>
+            <a:pPr marL="800100" lvl="1" indent="-342900">
+              <a:lnSpc>
+                <a:spcPct val="100000"/>
+              </a:lnSpc>
+              <a:buFont typeface="Arial" charset="0"/>
+              <a:buChar char="•"/>
+            </a:pPr>
+            <a:r>
+              <a:rPr lang="x-none" altLang="en-US" sz="2000">
+                <a:solidFill>
+                  <a:srgbClr val="FFFFFF"/>
+                </a:solidFill>
+                <a:latin typeface="Calibri"/>
+                <a:sym typeface="+mn-ea"/>
+              </a:rPr>
+              <a:t>background-size: </a:t>
+            </a:r>
+            <a:r>
+              <a:rPr lang="x-none" altLang="en-US" sz="2000">
+                <a:solidFill>
+                  <a:srgbClr val="FFFFFF"/>
+                </a:solidFill>
+                <a:latin typeface="Calibri"/>
+              </a:rPr>
+              <a:t>cover</a:t>
+            </a:r>
+            <a:endParaRPr lang="x-none" altLang="en-US" sz="2000">
+              <a:solidFill>
+                <a:srgbClr val="FFFFFF"/>
+              </a:solidFill>
+              <a:latin typeface="Calibri"/>
+            </a:endParaRPr>
+          </a:p>
+          <a:p>
+            <a:pPr marL="342900" lvl="0" indent="-342900">
+              <a:lnSpc>
+                <a:spcPct val="100000"/>
+              </a:lnSpc>
+              <a:buFont typeface="Arial" charset="0"/>
+              <a:buChar char="•"/>
+            </a:pPr>
+            <a:r>
+              <a:rPr lang="x-none" altLang="en-US" sz="2000">
+                <a:solidFill>
+                  <a:srgbClr val="FFFFFF"/>
+                </a:solidFill>
+                <a:latin typeface="Calibri"/>
+              </a:rPr>
+              <a:t>Background-origin:</a:t>
+            </a:r>
+            <a:endParaRPr lang="x-none" altLang="en-US" sz="2000">
+              <a:solidFill>
+                <a:srgbClr val="FFFFFF"/>
+              </a:solidFill>
+              <a:latin typeface="Calibri"/>
+            </a:endParaRPr>
+          </a:p>
+          <a:p>
+            <a:pPr marL="342900" lvl="0" indent="-342900">
+              <a:lnSpc>
+                <a:spcPct val="100000"/>
+              </a:lnSpc>
+              <a:buFont typeface="Arial" charset="0"/>
+              <a:buChar char="•"/>
+            </a:pPr>
+            <a:r>
+              <a:rPr lang="x-none" altLang="en-US" sz="2000">
+                <a:solidFill>
+                  <a:srgbClr val="FFFFFF"/>
+                </a:solidFill>
+                <a:latin typeface="Calibri"/>
+              </a:rPr>
+              <a:t>background-clip</a:t>
+            </a:r>
+            <a:endParaRPr lang="x-none" altLang="en-US" sz="2000">
+              <a:solidFill>
+                <a:srgbClr val="FFFFFF"/>
+              </a:solidFill>
+              <a:latin typeface="Calibri"/>
+            </a:endParaRPr>
+          </a:p>
+          <a:p>
+            <a:pPr marL="342900" lvl="0" indent="-342900">
+              <a:lnSpc>
+                <a:spcPct val="100000"/>
+              </a:lnSpc>
+              <a:buFont typeface="Arial" charset="0"/>
+              <a:buChar char="•"/>
+            </a:pPr>
+            <a:endParaRPr lang="x-none" altLang="en-US" sz="2000">
+              <a:solidFill>
+                <a:srgbClr val="FFFFFF"/>
+              </a:solidFill>
+              <a:latin typeface="Calibri"/>
+            </a:endParaRPr>
+          </a:p>
+          <a:p>
+            <a:pPr marL="457200" indent="-457200">
+              <a:lnSpc>
+                <a:spcPct val="100000"/>
+              </a:lnSpc>
+              <a:buFont typeface="Arial" charset="0"/>
+              <a:buChar char="•"/>
+            </a:pPr>
+            <a:endParaRPr lang="en-US" sz="2800">
+              <a:solidFill>
+                <a:srgbClr val="FFFFFF"/>
+              </a:solidFill>
+              <a:latin typeface="Calibri"/>
+            </a:endParaRPr>
+          </a:p>
+          <a:p>
+            <a:pPr marL="457200" indent="-457200">
+              <a:lnSpc>
+                <a:spcPct val="100000"/>
+              </a:lnSpc>
+              <a:buFont typeface="Arial" charset="0"/>
+              <a:buChar char="•"/>
+            </a:pPr>
+            <a:endParaRPr lang="en-US" sz="2800">
+              <a:solidFill>
+                <a:srgbClr val="FFFFFF"/>
+              </a:solidFill>
+              <a:latin typeface="Calibri"/>
+            </a:endParaRPr>
+          </a:p>
+        </p:txBody>
+      </p:sp>
+      <p:graphicFrame>
+        <p:nvGraphicFramePr>
+          <p:cNvPr id="2" name="Table 1"/>
+          <p:cNvGraphicFramePr/>
+          <p:nvPr/>
+        </p:nvGraphicFramePr>
+        <p:xfrm>
+          <a:off x="1087120" y="4244340"/>
           <a:ext cx="8533765" cy="2667000"/>
         </p:xfrm>
         <a:graphic>
@@ -6101,7 +6765,7 @@
 </p:sld>
 </file>
 
-<file path=ppt/slides/slide7.xml><?xml version="1.0" encoding="utf-8"?>
+<file path=ppt/slides/slide8.xml><?xml version="1.0" encoding="utf-8"?>
 <p:sld xmlns:a="http://schemas.openxmlformats.org/drawingml/2006/main" xmlns:r="http://schemas.openxmlformats.org/officeDocument/2006/relationships" xmlns:p="http://schemas.openxmlformats.org/presentationml/2006/main">
   <p:cSld>
     <p:spTree>
@@ -6198,7 +6862,7 @@
 </p:sld>
 </file>
 
-<file path=ppt/slides/slide8.xml><?xml version="1.0" encoding="utf-8"?>
+<file path=ppt/slides/slide9.xml><?xml version="1.0" encoding="utf-8"?>
 <p:sld xmlns:a="http://schemas.openxmlformats.org/drawingml/2006/main" xmlns:r="http://schemas.openxmlformats.org/officeDocument/2006/relationships" xmlns:p="http://schemas.openxmlformats.org/presentationml/2006/main">
   <p:cSld>
     <p:spTree>
@@ -6666,107 +7330,6 @@
       </p:par>
     </p:tnLst>
   </p:timing>
-</p:sld>
-</file>
-
-<file path=ppt/slides/slide9.xml><?xml version="1.0" encoding="utf-8"?>
-<p:sld xmlns:a="http://schemas.openxmlformats.org/drawingml/2006/main" xmlns:r="http://schemas.openxmlformats.org/officeDocument/2006/relationships" xmlns:p="http://schemas.openxmlformats.org/presentationml/2006/main">
-  <p:cSld>
-    <p:spTree>
-      <p:nvGrpSpPr>
-        <p:cNvPr id="1" name=""/>
-        <p:cNvGrpSpPr/>
-        <p:nvPr/>
-      </p:nvGrpSpPr>
-      <p:grpSpPr/>
-      <p:sp>
-        <p:nvSpPr>
-          <p:cNvPr id="3" name="Subtitle 2"/>
-          <p:cNvSpPr>
-            <a:spLocks noGrp="1"/>
-          </p:cNvSpPr>
-          <p:nvPr>
-            <p:ph type="subTitle"/>
-          </p:nvPr>
-        </p:nvSpPr>
-        <p:spPr/>
-        <p:txBody>
-          <a:bodyPr/>
-          <a:p>
-            <a:endParaRPr lang="pt-BR" altLang="en-US"/>
-          </a:p>
-        </p:txBody>
-      </p:sp>
-      <p:sp>
-        <p:nvSpPr>
-          <p:cNvPr id="127" name="TextShape 1"/>
-          <p:cNvSpPr txBox="1"/>
-          <p:nvPr/>
-        </p:nvSpPr>
-        <p:spPr>
-          <a:xfrm>
-            <a:off x="965080" y="492040"/>
-            <a:ext cx="10515240" cy="1325160"/>
-          </a:xfrm>
-          <a:prstGeom prst="rect">
-            <a:avLst/>
-          </a:prstGeom>
-        </p:spPr>
-        <p:txBody>
-          <a:bodyPr anchor="ctr"/>
-          <a:p>
-            <a:pPr>
-              <a:lnSpc>
-                <a:spcPct val="100000"/>
-              </a:lnSpc>
-            </a:pPr>
-            <a:r>
-              <a:rPr lang="x-none" altLang="en-US" sz="4400">
-                <a:solidFill>
-                  <a:srgbClr val="FFFFFF"/>
-                </a:solidFill>
-                <a:latin typeface="Calibri Light"/>
-              </a:rPr>
-              <a:t>Exercício Filter</a:t>
-            </a:r>
-            <a:endParaRPr lang="x-none" altLang="en-US" sz="4400">
-              <a:solidFill>
-                <a:srgbClr val="FFFFFF"/>
-              </a:solidFill>
-              <a:latin typeface="Calibri Light"/>
-            </a:endParaRPr>
-          </a:p>
-        </p:txBody>
-      </p:sp>
-      <p:pic>
-        <p:nvPicPr>
-          <p:cNvPr id="5" name="Picture 4" descr="layout"/>
-          <p:cNvPicPr>
-            <a:picLocks noChangeAspect="1"/>
-          </p:cNvPicPr>
-          <p:nvPr/>
-        </p:nvPicPr>
-        <p:blipFill>
-          <a:blip r:embed="rId1"/>
-          <a:stretch>
-            <a:fillRect/>
-          </a:stretch>
-        </p:blipFill>
-        <p:spPr>
-          <a:xfrm>
-            <a:off x="2320925" y="1490980"/>
-            <a:ext cx="7470140" cy="5572125"/>
-          </a:xfrm>
-          <a:prstGeom prst="rect">
-            <a:avLst/>
-          </a:prstGeom>
-        </p:spPr>
-      </p:pic>
-    </p:spTree>
-  </p:cSld>
-  <p:clrMapOvr>
-    <a:masterClrMapping/>
-  </p:clrMapOvr>
 </p:sld>
 </file>
 
